--- a/PPT/14 Redis简介及安装.pptx
+++ b/PPT/14 Redis简介及安装.pptx
@@ -135,7 +135,7 @@
   </p:defaultTextStyle>
   <p:extLst>
     <p:ext uri="{EFAFB233-063F-42B5-8137-9DF3F51BA10A}">
-      <p15:sldGuideLst xmlns="" xmlns:p15="http://schemas.microsoft.com/office/powerpoint/2012/main">
+      <p15:sldGuideLst xmlns:p15="http://schemas.microsoft.com/office/powerpoint/2012/main" xmlns="">
         <p15:guide id="1" orient="horz" pos="4320" userDrawn="1">
           <p15:clr>
             <a:srgbClr val="A4A3A4"/>
@@ -159,7 +159,7 @@
       </p15:sldGuideLst>
     </p:ext>
     <p:ext uri="{2D200454-40CA-4A62-9FC3-DE9A4176ACB9}">
-      <p15:notesGuideLst xmlns="" xmlns:p15="http://schemas.microsoft.com/office/powerpoint/2012/main"/>
+      <p15:notesGuideLst xmlns:p15="http://schemas.microsoft.com/office/powerpoint/2012/main" xmlns=""/>
     </p:ext>
   </p:extLst>
 </p:presentation>
@@ -17875,7 +17875,7 @@
       </dsp:nvSpPr>
       <dsp:spPr>
         <a:xfrm>
-          <a:off x="2785197" y="2738033"/>
+          <a:off x="2785197" y="2738034"/>
           <a:ext cx="251656" cy="251899"/>
         </a:xfrm>
         <a:prstGeom prst="ellipse">
@@ -32794,7 +32794,7 @@
           </a:ln>
           <a:extLst>
             <a:ext uri="{C572A759-6A51-4108-AA02-DFA0A04FC94B}">
-              <ma14:wrappingTextBoxFlag xmlns="" xmlns:ma14="http://schemas.microsoft.com/office/mac/drawingml/2011/main" val="1"/>
+              <ma14:wrappingTextBoxFlag xmlns:ma14="http://schemas.microsoft.com/office/mac/drawingml/2011/main" xmlns="" val="1"/>
             </a:ext>
           </a:extLst>
         </p:spPr>
@@ -32850,7 +32850,7 @@
           </a:ln>
           <a:extLst>
             <a:ext uri="{C572A759-6A51-4108-AA02-DFA0A04FC94B}">
-              <ma14:wrappingTextBoxFlag xmlns="" xmlns:ma14="http://schemas.microsoft.com/office/mac/drawingml/2011/main" val="1"/>
+              <ma14:wrappingTextBoxFlag xmlns:ma14="http://schemas.microsoft.com/office/mac/drawingml/2011/main" xmlns="" val="1"/>
             </a:ext>
           </a:extLst>
         </p:spPr>
@@ -33914,7 +33914,7 @@
           </a:ln>
           <a:extLst>
             <a:ext uri="{C572A759-6A51-4108-AA02-DFA0A04FC94B}">
-              <ma14:wrappingTextBoxFlag xmlns="" xmlns:ma14="http://schemas.microsoft.com/office/mac/drawingml/2011/main" val="1"/>
+              <ma14:wrappingTextBoxFlag xmlns:ma14="http://schemas.microsoft.com/office/mac/drawingml/2011/main" xmlns="" val="1"/>
             </a:ext>
           </a:extLst>
         </p:spPr>
@@ -36710,7 +36710,12 @@
             <p:ph type="subTitle" idx="1"/>
           </p:nvPr>
         </p:nvSpPr>
-        <p:spPr/>
+        <p:spPr>
+          <a:xfrm>
+            <a:off x="386535" y="627534"/>
+            <a:ext cx="8325450" cy="3794850"/>
+          </a:xfrm>
+        </p:spPr>
         <p:txBody>
           <a:bodyPr/>
           <a:lstStyle/>
@@ -38080,7 +38085,7 @@
           </a:ln>
           <a:extLst>
             <a:ext uri="{C572A759-6A51-4108-AA02-DFA0A04FC94B}">
-              <ma14:wrappingTextBoxFlag xmlns:ma14="http://schemas.microsoft.com/office/mac/drawingml/2011/main" xmlns="" val="1"/>
+              <ma14:wrappingTextBoxFlag xmlns="" xmlns:ma14="http://schemas.microsoft.com/office/mac/drawingml/2011/main" val="1"/>
             </a:ext>
           </a:extLst>
         </p:spPr>
@@ -39586,7 +39591,7 @@
   <a:extraClrSchemeLst/>
   <a:extLst>
     <a:ext uri="{05A4C25C-085E-4340-85A3-A5531E510DB2}">
-      <thm15:themeFamily xmlns="" xmlns:thm15="http://schemas.microsoft.com/office/thememl/2012/main" name="PPT模板V2-Windows-PowerPoint-PPT.potx" id="{20762C19-B23E-4BEB-93D1-C3851CE18177}" vid="{DBA93716-93B0-4C40-BF2A-3EFAFA21AD83}"/>
+      <thm15:themeFamily xmlns:thm15="http://schemas.microsoft.com/office/thememl/2012/main" xmlns="" name="PPT模板V2-Windows-PowerPoint-PPT.potx" id="{20762C19-B23E-4BEB-93D1-C3851CE18177}" vid="{DBA93716-93B0-4C40-BF2A-3EFAFA21AD83}"/>
     </a:ext>
   </a:extLst>
 </a:theme>
@@ -40916,7 +40921,7 @@
   <a:extraClrSchemeLst/>
   <a:extLst>
     <a:ext uri="{05A4C25C-085E-4340-85A3-A5531E510DB2}">
-      <thm15:themeFamily xmlns="" xmlns:thm15="http://schemas.microsoft.com/office/thememl/2012/main" name="Office Theme" id="{62F939B6-93AF-4DB8-9C6B-D6C7DFDC589F}" vid="{4A3C46E8-61CC-4603-A589-7422A47A8E4A}"/>
+      <thm15:themeFamily xmlns:thm15="http://schemas.microsoft.com/office/thememl/2012/main" xmlns="" name="Office Theme" id="{62F939B6-93AF-4DB8-9C6B-D6C7DFDC589F}" vid="{4A3C46E8-61CC-4603-A589-7422A47A8E4A}"/>
     </a:ext>
   </a:extLst>
 </a:theme>
